--- a/Destiny.pptx
+++ b/Destiny.pptx
@@ -5925,19 +5925,7 @@
                 </a:solidFill>
                 <a:latin typeface="Bahnschrift SemiBold SemiConden" panose="020B0502040204020203" pitchFamily="34" charset="0"/>
               </a:rPr>
-              <a:t>Смирнова </a:t>
-            </a:r>
-            <a:r>
-              <a:rPr lang="ru-RU" dirty="0" smtClean="0">
-                <a:solidFill>
-                  <a:schemeClr val="accent1">
-                    <a:lumMod val="40000"/>
-                    <a:lumOff val="60000"/>
-                  </a:schemeClr>
-                </a:solidFill>
-                <a:latin typeface="Bahnschrift SemiBold SemiConden" panose="020B0502040204020203" pitchFamily="34" charset="0"/>
-              </a:rPr>
-              <a:t>Н</a:t>
+              <a:t>Смирнова Н</a:t>
             </a:r>
             <a:r>
               <a:rPr lang="ru-RU" dirty="0">
@@ -5985,6 +5973,13 @@
   <p:clrMapOvr>
     <a:masterClrMapping/>
   </p:clrMapOvr>
+  <p:timing>
+    <p:tnLst>
+      <p:par>
+        <p:cTn id="1" dur="indefinite" restart="never" nodeType="tmRoot"/>
+      </p:par>
+    </p:tnLst>
+  </p:timing>
 </p:sld>
 </file>
 
@@ -6119,6 +6114,13 @@
   <p:clrMapOvr>
     <a:masterClrMapping/>
   </p:clrMapOvr>
+  <p:timing>
+    <p:tnLst>
+      <p:par>
+        <p:cTn id="1" dur="indefinite" restart="never" nodeType="tmRoot"/>
+      </p:par>
+    </p:tnLst>
+  </p:timing>
 </p:sld>
 </file>
 
@@ -6553,15 +6555,10 @@
             <a:spLocks noGrp="1"/>
           </p:cNvSpPr>
           <p:nvPr>
-            <p:ph type="title"/>
-          </p:nvPr>
-        </p:nvSpPr>
-        <p:spPr>
-          <a:xfrm>
-            <a:off x="2880361" y="2377440"/>
-            <a:ext cx="6761479" cy="1456267"/>
-          </a:xfrm>
-        </p:spPr>
+            <p:ph type="ctrTitle"/>
+          </p:nvPr>
+        </p:nvSpPr>
+        <p:spPr/>
         <p:txBody>
           <a:bodyPr>
             <a:normAutofit/>
@@ -6575,13 +6572,63 @@
                 </a:solidFill>
                 <a:latin typeface="Bahnschrift SemiBold SemiConden" panose="020B0502040204020203" pitchFamily="34" charset="0"/>
               </a:rPr>
-              <a:t>Спасибо за внимание!</a:t>
-            </a:r>
+              <a:t>Спасибо за </a:t>
+            </a:r>
+            <a:r>
+              <a:rPr lang="ru-RU" sz="4800" dirty="0" smtClean="0">
+                <a:solidFill>
+                  <a:srgbClr val="FFCC00"/>
+                </a:solidFill>
+                <a:latin typeface="Bahnschrift SemiBold SemiConden" panose="020B0502040204020203" pitchFamily="34" charset="0"/>
+              </a:rPr>
+              <a:t>внимание!</a:t>
+            </a:r>
+            <a:br>
+              <a:rPr lang="ru-RU" sz="4800" dirty="0" smtClean="0">
+                <a:solidFill>
+                  <a:srgbClr val="FFCC00"/>
+                </a:solidFill>
+                <a:latin typeface="Bahnschrift SemiBold SemiConden" panose="020B0502040204020203" pitchFamily="34" charset="0"/>
+              </a:rPr>
+            </a:br>
             <a:endParaRPr lang="ru-RU" sz="4800" dirty="0">
               <a:solidFill>
                 <a:srgbClr val="FFCC00"/>
               </a:solidFill>
               <a:latin typeface="Bahnschrift SemiBold SemiConden" panose="020B0502040204020203" pitchFamily="34" charset="0"/>
+            </a:endParaRPr>
+          </a:p>
+        </p:txBody>
+      </p:sp>
+      <p:sp>
+        <p:nvSpPr>
+          <p:cNvPr id="2" name="Подзаголовок 1"/>
+          <p:cNvSpPr>
+            <a:spLocks noGrp="1"/>
+          </p:cNvSpPr>
+          <p:nvPr>
+            <p:ph type="subTitle" idx="1"/>
+          </p:nvPr>
+        </p:nvSpPr>
+        <p:spPr/>
+        <p:txBody>
+          <a:bodyPr/>
+          <a:lstStyle/>
+          <a:p>
+            <a:r>
+              <a:rPr lang="en-US" dirty="0" smtClean="0">
+                <a:latin typeface="+mj-lt"/>
+              </a:rPr>
+              <a:t>@</a:t>
+            </a:r>
+            <a:r>
+              <a:rPr lang="en-US" dirty="0" err="1" smtClean="0">
+                <a:latin typeface="+mj-lt"/>
+              </a:rPr>
+              <a:t>Unique_quest_bo</a:t>
+            </a:r>
+            <a:endParaRPr lang="ru-RU" dirty="0">
+              <a:latin typeface="+mj-lt"/>
             </a:endParaRPr>
           </a:p>
         </p:txBody>
